--- a/template-NIS2.pptx
+++ b/template-NIS2.pptx
@@ -197,7 +197,7 @@
           <a:p>
             <a:fld id="{E466020D-F810-4842-86C4-360402F8F4EC}" type="datetimeFigureOut">
               <a:rPr lang="en-CH" smtClean="0"/>
-              <a:t>19/07/2025</a:t>
+              <a:t>20/07/2025</a:t>
             </a:fld>
             <a:endParaRPr lang="en-CH"/>
           </a:p>
@@ -745,8 +745,11 @@
           </a:bodyPr>
           <a:lstStyle>
             <a:lvl1pPr marL="0" indent="0">
+              <a:spcBef>
+                <a:spcPts val="0"/>
+              </a:spcBef>
               <a:buNone/>
-              <a:defRPr sz="1200"/>
+              <a:defRPr sz="1100"/>
             </a:lvl1pPr>
           </a:lstStyle>
           <a:p>
@@ -976,13 +979,13 @@
             <a:spLocks noGrp="1"/>
           </p:cNvSpPr>
           <p:nvPr>
-            <p:ph idx="13" hasCustomPrompt="1"/>
+            <p:ph idx="13"/>
           </p:nvPr>
         </p:nvSpPr>
         <p:spPr>
           <a:xfrm>
-            <a:off x="838196" y="4983202"/>
-            <a:ext cx="10515599" cy="1400114"/>
+            <a:off x="838196" y="4898137"/>
+            <a:ext cx="10515599" cy="1594737"/>
           </a:xfrm>
           <a:solidFill>
             <a:schemeClr val="bg1">
@@ -996,16 +999,15 @@
           </a:bodyPr>
           <a:lstStyle>
             <a:lvl1pPr marL="0" indent="0">
+              <a:spcBef>
+                <a:spcPts val="0"/>
+              </a:spcBef>
               <a:buNone/>
-              <a:defRPr sz="1200"/>
+              <a:defRPr sz="1100"/>
             </a:lvl1pPr>
           </a:lstStyle>
           <a:p>
             <a:pPr lvl="0"/>
-            <a:r>
-              <a:rPr lang="en-US" dirty="0"/>
-              <a:t>Object</a:t>
-            </a:r>
             <a:endParaRPr lang="en-CH" dirty="0"/>
           </a:p>
         </p:txBody>
@@ -1024,7 +1026,7 @@
         </p:nvSpPr>
         <p:spPr>
           <a:xfrm>
-            <a:off x="838197" y="4685552"/>
+            <a:off x="838197" y="4632387"/>
             <a:ext cx="10515598" cy="252000"/>
           </a:xfrm>
           <a:prstGeom prst="rect">
@@ -1159,8 +1161,8 @@
         </p:nvSpPr>
         <p:spPr>
           <a:xfrm>
-            <a:off x="838200" y="1453981"/>
-            <a:ext cx="6251532" cy="4483260"/>
+            <a:off x="838200" y="1354920"/>
+            <a:ext cx="6251532" cy="4755433"/>
           </a:xfrm>
           <a:solidFill>
             <a:schemeClr val="bg1">
@@ -1174,8 +1176,11 @@
           </a:bodyPr>
           <a:lstStyle>
             <a:lvl1pPr marL="0" indent="0">
+              <a:spcBef>
+                <a:spcPts val="0"/>
+              </a:spcBef>
               <a:buNone/>
-              <a:defRPr sz="1200">
+              <a:defRPr sz="1100">
                 <a:latin typeface="Aptos" panose="020B0004020202020204" pitchFamily="34" charset="0"/>
               </a:defRPr>
             </a:lvl1pPr>
@@ -1209,7 +1214,7 @@
           <a:p>
             <a:fld id="{95DC32B3-4CC6-41D5-9051-FAB97CCC264E}" type="datetimeFigureOut">
               <a:rPr lang="en-CH" smtClean="0"/>
-              <a:t>19/07/2025</a:t>
+              <a:t>20/07/2025</a:t>
             </a:fld>
             <a:endParaRPr lang="en-CH"/>
           </a:p>
@@ -1283,7 +1288,7 @@
         </p:nvSpPr>
         <p:spPr>
           <a:xfrm>
-            <a:off x="838200" y="1144646"/>
+            <a:off x="838200" y="1045586"/>
             <a:ext cx="6251532" cy="252000"/>
           </a:xfrm>
           <a:prstGeom prst="rect">
@@ -1339,7 +1344,7 @@
         </p:nvSpPr>
         <p:spPr>
           <a:xfrm>
-            <a:off x="7239000" y="1144646"/>
+            <a:off x="7239000" y="1053206"/>
             <a:ext cx="4114800" cy="252000"/>
           </a:xfrm>
           <a:prstGeom prst="rect">
@@ -1394,13 +1399,13 @@
             <a:spLocks noGrp="1"/>
           </p:cNvSpPr>
           <p:nvPr>
-            <p:ph type="body" sz="quarter" idx="13" hasCustomPrompt="1"/>
+            <p:ph type="body" sz="quarter" idx="13"/>
           </p:nvPr>
         </p:nvSpPr>
         <p:spPr>
           <a:xfrm>
-            <a:off x="7239000" y="1453981"/>
-            <a:ext cx="4114800" cy="4487805"/>
+            <a:off x="7239000" y="1354921"/>
+            <a:ext cx="4114800" cy="4755432"/>
           </a:xfrm>
           <a:solidFill>
             <a:schemeClr val="bg1">
@@ -1414,18 +1419,17 @@
           </a:bodyPr>
           <a:lstStyle>
             <a:lvl1pPr marL="0" indent="0">
+              <a:spcBef>
+                <a:spcPts val="0"/>
+              </a:spcBef>
               <a:buNone/>
-              <a:defRPr sz="1200">
+              <a:defRPr sz="1100">
                 <a:latin typeface="Aptos" panose="020B0004020202020204" pitchFamily="34" charset="0"/>
               </a:defRPr>
             </a:lvl1pPr>
           </a:lstStyle>
           <a:p>
             <a:pPr lvl="0"/>
-            <a:r>
-              <a:rPr lang="en-US" dirty="0"/>
-              <a:t>Object</a:t>
-            </a:r>
             <a:endParaRPr lang="en-CH" dirty="0"/>
           </a:p>
         </p:txBody>
@@ -1774,7 +1778,7 @@
           <a:p>
             <a:fld id="{95DC32B3-4CC6-41D5-9051-FAB97CCC264E}" type="datetimeFigureOut">
               <a:rPr lang="en-CH" smtClean="0"/>
-              <a:t>19/07/2025</a:t>
+              <a:t>20/07/2025</a:t>
             </a:fld>
             <a:endParaRPr lang="en-CH"/>
           </a:p>
